--- a/Tworzenie prezentacji/AntyPrezentacja.pptx
+++ b/Tworzenie prezentacji/AntyPrezentacja.pptx
@@ -329,6 +329,59 @@
 </p:presentation>
 </file>
 
+<file path=ppt/revisionInfo.xml><?xml version="1.0" encoding="utf-8"?>
+<p1510:revInfo xmlns:a="http://schemas.openxmlformats.org/drawingml/2006/main" xmlns:r="http://schemas.openxmlformats.org/officeDocument/2006/relationships" xmlns:p1510="http://schemas.microsoft.com/office/powerpoint/2015/10/main">
+  <p1510:revLst>
+    <p1510:client id="{768F004A-ED73-4836-AB99-9DF196C01C7D}" v="2" dt="2021-05-26T06:20:09.299"/>
+  </p1510:revLst>
+</p1510:revInfo>
+</file>
+
+<file path=ppt/changesInfos/changesInfo1.xml><?xml version="1.0" encoding="utf-8"?>
+<pc:chgInfo xmlns:a="http://schemas.openxmlformats.org/drawingml/2006/main" xmlns:r="http://schemas.openxmlformats.org/officeDocument/2006/relationships" xmlns:ac="http://schemas.microsoft.com/office/drawing/2013/main/command" xmlns:pc="http://schemas.microsoft.com/office/powerpoint/2013/main/command">
+  <pc:docChgLst>
+    <pc:chgData name="Damian Kurpiewski" userId="a6c40eeacb61fb23" providerId="LiveId" clId="{768F004A-ED73-4836-AB99-9DF196C01C7D}"/>
+    <pc:docChg chg="undo custSel modSld">
+      <pc:chgData name="Damian Kurpiewski" userId="a6c40eeacb61fb23" providerId="LiveId" clId="{768F004A-ED73-4836-AB99-9DF196C01C7D}" dt="2021-05-26T06:20:21.787" v="23" actId="20577"/>
+      <pc:docMkLst>
+        <pc:docMk/>
+      </pc:docMkLst>
+      <pc:sldChg chg="addSp modSp mod">
+        <pc:chgData name="Damian Kurpiewski" userId="a6c40eeacb61fb23" providerId="LiveId" clId="{768F004A-ED73-4836-AB99-9DF196C01C7D}" dt="2021-05-26T06:20:21.787" v="23" actId="20577"/>
+        <pc:sldMkLst>
+          <pc:docMk/>
+          <pc:sldMk cId="0" sldId="256"/>
+        </pc:sldMkLst>
+        <pc:spChg chg="mod">
+          <ac:chgData name="Damian Kurpiewski" userId="a6c40eeacb61fb23" providerId="LiveId" clId="{768F004A-ED73-4836-AB99-9DF196C01C7D}" dt="2021-05-26T06:20:21.787" v="23" actId="20577"/>
+          <ac:spMkLst>
+            <pc:docMk/>
+            <pc:sldMk cId="0" sldId="256"/>
+            <ac:spMk id="119" creationId="{00000000-0000-0000-0000-000000000000}"/>
+          </ac:spMkLst>
+        </pc:spChg>
+        <pc:spChg chg="mod">
+          <ac:chgData name="Damian Kurpiewski" userId="a6c40eeacb61fb23" providerId="LiveId" clId="{768F004A-ED73-4836-AB99-9DF196C01C7D}" dt="2021-05-26T06:20:01.721" v="19" actId="20577"/>
+          <ac:spMkLst>
+            <pc:docMk/>
+            <pc:sldMk cId="0" sldId="256"/>
+            <ac:spMk id="120" creationId="{00000000-0000-0000-0000-000000000000}"/>
+          </ac:spMkLst>
+        </pc:spChg>
+        <pc:picChg chg="add mod">
+          <ac:chgData name="Damian Kurpiewski" userId="a6c40eeacb61fb23" providerId="LiveId" clId="{768F004A-ED73-4836-AB99-9DF196C01C7D}" dt="2021-05-26T06:20:09.298" v="21" actId="1076"/>
+          <ac:picMkLst>
+            <pc:docMk/>
+            <pc:sldMk cId="0" sldId="256"/>
+            <ac:picMk id="12" creationId="{B47B47ED-2223-486B-BD2F-3C2C8CD12291}"/>
+          </ac:picMkLst>
+        </pc:picChg>
+      </pc:sldChg>
+    </pc:docChg>
+  </pc:docChgLst>
+</pc:chgInfo>
+</file>
+
 <file path=ppt/notesMasters/notesMaster1.xml><?xml version="1.0" encoding="utf-8"?>
 <p:notesMaster xmlns:a="http://schemas.openxmlformats.org/drawingml/2006/main" xmlns:r="http://schemas.openxmlformats.org/officeDocument/2006/relationships" xmlns:p="http://schemas.openxmlformats.org/presentationml/2006/main">
   <p:cSld>
@@ -1931,7 +1984,7 @@
           </a:ln>
           <a:extLst>
             <a:ext uri="{C572A759-6A51-4108-AA02-DFA0A04FC94B}">
-              <ma14:wrappingTextBoxFlag xmlns:ma14="http://schemas.microsoft.com/office/mac/drawingml/2011/main" xmlns="" val="1"/>
+              <ma14:wrappingTextBoxFlag xmlns="" xmlns:ma14="http://schemas.microsoft.com/office/mac/drawingml/2011/main" val="1"/>
             </a:ext>
           </a:extLst>
         </p:spPr>
@@ -1970,7 +2023,7 @@
           </a:ln>
           <a:extLst>
             <a:ext uri="{C572A759-6A51-4108-AA02-DFA0A04FC94B}">
-              <ma14:wrappingTextBoxFlag xmlns:ma14="http://schemas.microsoft.com/office/mac/drawingml/2011/main" xmlns="" val="1"/>
+              <ma14:wrappingTextBoxFlag xmlns="" xmlns:ma14="http://schemas.microsoft.com/office/mac/drawingml/2011/main" val="1"/>
             </a:ext>
           </a:extLst>
         </p:spPr>
@@ -13472,7 +13525,7 @@
         </p:spPr>
         <p:txBody>
           <a:bodyPr>
-            <a:normAutofit/>
+            <a:normAutofit fontScale="92500" lnSpcReduction="20000"/>
           </a:bodyPr>
           <a:lstStyle/>
           <a:p>
@@ -13482,7 +13535,7 @@
               </a:spcAft>
             </a:pPr>
             <a:r>
-              <a:rPr lang="pl-PL">
+              <a:rPr lang="pl-PL" dirty="0">
                 <a:solidFill>
                   <a:schemeClr val="bg1"/>
                 </a:solidFill>
@@ -13490,8 +13543,83 @@
               <a:t>O zasadach tworzenia prezentacji słów kilka</a:t>
             </a:r>
           </a:p>
+          <a:p>
+            <a:pPr algn="l">
+              <a:spcAft>
+                <a:spcPts val="600"/>
+              </a:spcAft>
+            </a:pPr>
+            <a:endParaRPr lang="pl-PL" dirty="0">
+              <a:solidFill>
+                <a:schemeClr val="bg1"/>
+              </a:solidFill>
+            </a:endParaRPr>
+          </a:p>
+          <a:p>
+            <a:pPr algn="l">
+              <a:spcAft>
+                <a:spcPts val="600"/>
+              </a:spcAft>
+            </a:pPr>
+            <a:r>
+              <a:rPr lang="pl-PL" dirty="0">
+                <a:solidFill>
+                  <a:schemeClr val="bg1"/>
+                </a:solidFill>
+              </a:rPr>
+              <a:t>Damian Kurpiewski</a:t>
+            </a:r>
+          </a:p>
         </p:txBody>
       </p:sp>
+      <p:pic>
+        <p:nvPicPr>
+          <p:cNvPr id="12" name="Picture 2">
+            <a:hlinkClick r:id="rId3"/>
+            <a:extLst>
+              <a:ext uri="{FF2B5EF4-FFF2-40B4-BE49-F238E27FC236}">
+                <a16:creationId xmlns:a16="http://schemas.microsoft.com/office/drawing/2014/main" id="{B47B47ED-2223-486B-BD2F-3C2C8CD12291}"/>
+              </a:ext>
+            </a:extLst>
+          </p:cNvPr>
+          <p:cNvPicPr>
+            <a:picLocks noChangeAspect="1" noChangeArrowheads="1"/>
+          </p:cNvPicPr>
+          <p:nvPr/>
+        </p:nvPicPr>
+        <p:blipFill>
+          <a:blip r:embed="rId4">
+            <a:extLst>
+              <a:ext uri="{28A0092B-C50C-407E-A947-70E740481C1C}">
+                <a14:useLocalDpi xmlns:a14="http://schemas.microsoft.com/office/drawing/2010/main" val="0"/>
+              </a:ext>
+            </a:extLst>
+          </a:blip>
+          <a:srcRect/>
+          <a:stretch>
+            <a:fillRect/>
+          </a:stretch>
+        </p:blipFill>
+        <p:spPr bwMode="auto">
+          <a:xfrm>
+            <a:off x="11347773" y="9100356"/>
+            <a:ext cx="1512168" cy="529071"/>
+          </a:xfrm>
+          <a:prstGeom prst="rect">
+            <a:avLst/>
+          </a:prstGeom>
+          <a:noFill/>
+          <a:extLst>
+            <a:ext uri="{909E8E84-426E-40DD-AFC4-6F175D3DCCD1}">
+              <a14:hiddenFill xmlns:a14="http://schemas.microsoft.com/office/drawing/2010/main">
+                <a:solidFill>
+                  <a:srgbClr val="FFFFFF"/>
+                </a:solidFill>
+              </a14:hiddenFill>
+            </a:ext>
+          </a:extLst>
+        </p:spPr>
+      </p:pic>
     </p:spTree>
   </p:cSld>
   <p:clrMapOvr>
@@ -13912,7 +14040,7 @@
           </a:ln>
           <a:extLst>
             <a:ext uri="{C572A759-6A51-4108-AA02-DFA0A04FC94B}">
-              <ma14:wrappingTextBoxFlag xmlns:ma14="http://schemas.microsoft.com/office/mac/drawingml/2011/main" xmlns="" val="1"/>
+              <ma14:wrappingTextBoxFlag xmlns="" xmlns:ma14="http://schemas.microsoft.com/office/mac/drawingml/2011/main" val="1"/>
             </a:ext>
           </a:extLst>
         </p:spPr>
@@ -14806,7 +14934,7 @@
           </a:ln>
           <a:extLst>
             <a:ext uri="{C572A759-6A51-4108-AA02-DFA0A04FC94B}">
-              <ma14:wrappingTextBoxFlag xmlns:ma14="http://schemas.microsoft.com/office/mac/drawingml/2011/main" xmlns="" val="1"/>
+              <ma14:wrappingTextBoxFlag xmlns="" xmlns:ma14="http://schemas.microsoft.com/office/mac/drawingml/2011/main" val="1"/>
             </a:ext>
           </a:extLst>
         </p:spPr>
@@ -15700,7 +15828,7 @@
           </a:ln>
           <a:extLst>
             <a:ext uri="{C572A759-6A51-4108-AA02-DFA0A04FC94B}">
-              <ma14:wrappingTextBoxFlag xmlns:ma14="http://schemas.microsoft.com/office/mac/drawingml/2011/main" xmlns="" val="1"/>
+              <ma14:wrappingTextBoxFlag xmlns="" xmlns:ma14="http://schemas.microsoft.com/office/mac/drawingml/2011/main" val="1"/>
             </a:ext>
           </a:extLst>
         </p:spPr>
